--- a/Presentation/Project Midway.pptx
+++ b/Presentation/Project Midway.pptx
@@ -12,8 +12,10 @@
     <p:sldId id="270" r:id="rId6"/>
     <p:sldId id="381" r:id="rId7"/>
     <p:sldId id="266" r:id="rId8"/>
-    <p:sldId id="271" r:id="rId9"/>
-    <p:sldId id="382" r:id="rId10"/>
+    <p:sldId id="383" r:id="rId9"/>
+    <p:sldId id="271" r:id="rId10"/>
+    <p:sldId id="384" r:id="rId11"/>
+    <p:sldId id="382" r:id="rId12"/>
   </p:sldIdLst>
   <p:sldSz cx="12192000" cy="6858000"/>
   <p:notesSz cx="6858000" cy="9144000"/>
@@ -112,6 +114,11 @@
       </a:defRPr>
     </a:lvl9pPr>
   </p:defaultTextStyle>
+  <p:extLst>
+    <p:ext uri="{EFAFB233-063F-42B5-8137-9DF3F51BA10A}">
+      <p15:sldGuideLst xmlns:p15="http://schemas.microsoft.com/office/powerpoint/2012/main"/>
+    </p:ext>
+  </p:extLst>
 </p:presentation>
 </file>
 
@@ -7837,6 +7844,317 @@
 </p:sld>
 </file>
 
+<file path=ppt/slides/slide10.xml><?xml version="1.0" encoding="utf-8"?>
+<p:sld xmlns:a="http://schemas.openxmlformats.org/drawingml/2006/main" xmlns:r="http://schemas.openxmlformats.org/officeDocument/2006/relationships" xmlns:p="http://schemas.openxmlformats.org/presentationml/2006/main">
+  <p:cSld>
+    <p:spTree>
+      <p:nvGrpSpPr>
+        <p:cNvPr id="1" name=""/>
+        <p:cNvGrpSpPr/>
+        <p:nvPr/>
+      </p:nvGrpSpPr>
+      <p:grpSpPr>
+        <a:xfrm>
+          <a:off x="0" y="0"/>
+          <a:ext cx="0" cy="0"/>
+          <a:chOff x="0" y="0"/>
+          <a:chExt cx="0" cy="0"/>
+        </a:xfrm>
+      </p:grpSpPr>
+      <p:sp>
+        <p:nvSpPr>
+          <p:cNvPr id="2" name="Title 1">
+            <a:extLst>
+              <a:ext uri="{FF2B5EF4-FFF2-40B4-BE49-F238E27FC236}">
+                <a16:creationId xmlns:a16="http://schemas.microsoft.com/office/drawing/2014/main" id="{6256AB6F-D996-432D-9F47-FC629B3CAEF4}"/>
+              </a:ext>
+            </a:extLst>
+          </p:cNvPr>
+          <p:cNvSpPr>
+            <a:spLocks noGrp="1"/>
+          </p:cNvSpPr>
+          <p:nvPr>
+            <p:ph type="title"/>
+          </p:nvPr>
+        </p:nvSpPr>
+        <p:spPr/>
+        <p:txBody>
+          <a:bodyPr/>
+          <a:lstStyle/>
+          <a:p>
+            <a:pPr algn="ctr"/>
+            <a:r>
+              <a:rPr lang="en-IN" dirty="0"/>
+              <a:t>What’s Next?</a:t>
+            </a:r>
+          </a:p>
+        </p:txBody>
+      </p:sp>
+      <p:sp>
+        <p:nvSpPr>
+          <p:cNvPr id="3" name="Content Placeholder 2">
+            <a:extLst>
+              <a:ext uri="{FF2B5EF4-FFF2-40B4-BE49-F238E27FC236}">
+                <a16:creationId xmlns:a16="http://schemas.microsoft.com/office/drawing/2014/main" id="{D88E9A54-5A69-473C-A32F-67C2A6F4D2D6}"/>
+              </a:ext>
+            </a:extLst>
+          </p:cNvPr>
+          <p:cNvSpPr>
+            <a:spLocks noGrp="1"/>
+          </p:cNvSpPr>
+          <p:nvPr>
+            <p:ph idx="1"/>
+          </p:nvPr>
+        </p:nvSpPr>
+        <p:spPr/>
+        <p:txBody>
+          <a:bodyPr/>
+          <a:lstStyle/>
+          <a:p>
+            <a:r>
+              <a:rPr lang="en-IN" dirty="0"/>
+              <a:t>Data Augmentation</a:t>
+            </a:r>
+          </a:p>
+          <a:p>
+            <a:r>
+              <a:rPr lang="en-IN" dirty="0"/>
+              <a:t>Use Image segmentation (Paper 2)</a:t>
+            </a:r>
+          </a:p>
+          <a:p>
+            <a:r>
+              <a:rPr lang="en-IN" dirty="0"/>
+              <a:t>Understand </a:t>
+            </a:r>
+            <a:r>
+              <a:rPr lang="en-IN" dirty="0" err="1"/>
+              <a:t>LeNet</a:t>
+            </a:r>
+            <a:r>
+              <a:rPr lang="en-IN" dirty="0"/>
+              <a:t> and if possible come up with a better model/layer combination.</a:t>
+            </a:r>
+          </a:p>
+          <a:p>
+            <a:r>
+              <a:rPr lang="en-IN" dirty="0"/>
+              <a:t>Use grid search to find the best hyperparameters</a:t>
+            </a:r>
+          </a:p>
+        </p:txBody>
+      </p:sp>
+    </p:spTree>
+    <p:extLst>
+      <p:ext uri="{BB962C8B-B14F-4D97-AF65-F5344CB8AC3E}">
+        <p14:creationId xmlns:p14="http://schemas.microsoft.com/office/powerpoint/2010/main" val="1992995483"/>
+      </p:ext>
+    </p:extLst>
+  </p:cSld>
+  <p:clrMapOvr>
+    <a:masterClrMapping/>
+  </p:clrMapOvr>
+</p:sld>
+</file>
+
+<file path=ppt/slides/slide11.xml><?xml version="1.0" encoding="utf-8"?>
+<p:sld xmlns:a="http://schemas.openxmlformats.org/drawingml/2006/main" xmlns:r="http://schemas.openxmlformats.org/officeDocument/2006/relationships" xmlns:p="http://schemas.openxmlformats.org/presentationml/2006/main">
+  <p:cSld>
+    <p:spTree>
+      <p:nvGrpSpPr>
+        <p:cNvPr id="1" name=""/>
+        <p:cNvGrpSpPr/>
+        <p:nvPr/>
+      </p:nvGrpSpPr>
+      <p:grpSpPr>
+        <a:xfrm>
+          <a:off x="0" y="0"/>
+          <a:ext cx="0" cy="0"/>
+          <a:chOff x="0" y="0"/>
+          <a:chExt cx="0" cy="0"/>
+        </a:xfrm>
+      </p:grpSpPr>
+      <p:sp>
+        <p:nvSpPr>
+          <p:cNvPr id="2" name="Title 1">
+            <a:extLst>
+              <a:ext uri="{FF2B5EF4-FFF2-40B4-BE49-F238E27FC236}">
+                <a16:creationId xmlns:a16="http://schemas.microsoft.com/office/drawing/2014/main" id="{6BD633A6-C4D8-4318-87F4-7FDEF4A96713}"/>
+              </a:ext>
+            </a:extLst>
+          </p:cNvPr>
+          <p:cNvSpPr>
+            <a:spLocks noGrp="1"/>
+          </p:cNvSpPr>
+          <p:nvPr>
+            <p:ph type="title"/>
+          </p:nvPr>
+        </p:nvSpPr>
+        <p:spPr/>
+        <p:txBody>
+          <a:bodyPr/>
+          <a:lstStyle/>
+          <a:p>
+            <a:pPr algn="ctr"/>
+            <a:r>
+              <a:rPr lang="en-IN" dirty="0"/>
+              <a:t>References</a:t>
+            </a:r>
+          </a:p>
+        </p:txBody>
+      </p:sp>
+      <p:sp>
+        <p:nvSpPr>
+          <p:cNvPr id="3" name="Content Placeholder 2">
+            <a:extLst>
+              <a:ext uri="{FF2B5EF4-FFF2-40B4-BE49-F238E27FC236}">
+                <a16:creationId xmlns:a16="http://schemas.microsoft.com/office/drawing/2014/main" id="{FE9805DA-1609-4952-ABE9-A6F2B5B36E3E}"/>
+              </a:ext>
+            </a:extLst>
+          </p:cNvPr>
+          <p:cNvSpPr>
+            <a:spLocks noGrp="1"/>
+          </p:cNvSpPr>
+          <p:nvPr>
+            <p:ph idx="1"/>
+          </p:nvPr>
+        </p:nvSpPr>
+        <p:spPr/>
+        <p:txBody>
+          <a:bodyPr/>
+          <a:lstStyle/>
+          <a:p>
+            <a:r>
+              <a:rPr lang="en-IN" dirty="0"/>
+              <a:t>Information on NN:-</a:t>
+            </a:r>
+          </a:p>
+          <a:p>
+            <a:pPr lvl="1"/>
+            <a:r>
+              <a:rPr lang="en-IN" dirty="0"/>
+              <a:t>Basic NN:- Course on </a:t>
+            </a:r>
+            <a:r>
+              <a:rPr lang="en-IN" dirty="0" err="1"/>
+              <a:t>coursera</a:t>
+            </a:r>
+            <a:r>
+              <a:rPr lang="en-IN" dirty="0"/>
+              <a:t> by Andrew Ng</a:t>
+            </a:r>
+          </a:p>
+          <a:p>
+            <a:pPr lvl="1"/>
+            <a:r>
+              <a:rPr lang="en-IN" dirty="0"/>
+              <a:t>CNN:- Ming Li (MIT, waterloo) lectures on Deep Learning and google</a:t>
+            </a:r>
+          </a:p>
+          <a:p>
+            <a:pPr lvl="1"/>
+            <a:endParaRPr lang="en-IN" dirty="0"/>
+          </a:p>
+          <a:p>
+            <a:r>
+              <a:rPr lang="en-IN" dirty="0"/>
+              <a:t>Research Papers:-</a:t>
+            </a:r>
+          </a:p>
+          <a:p>
+            <a:pPr lvl="1"/>
+            <a:r>
+              <a:rPr lang="en-US" b="0" i="0" u="none" strike="noStrike" baseline="0" dirty="0">
+                <a:latin typeface="NnstjdTimes-Roman"/>
+              </a:rPr>
+              <a:t>M. Sharma, A. </a:t>
+            </a:r>
+            <a:r>
+              <a:rPr lang="en-US" b="0" i="0" u="none" strike="noStrike" baseline="0" dirty="0" err="1">
+                <a:latin typeface="NnstjdTimes-Roman"/>
+              </a:rPr>
+              <a:t>Bhave</a:t>
+            </a:r>
+            <a:r>
+              <a:rPr lang="en-US" b="0" i="0" u="none" strike="noStrike" baseline="0" dirty="0">
+                <a:latin typeface="NnstjdTimes-Roman"/>
+              </a:rPr>
+              <a:t>, R.R. </a:t>
+            </a:r>
+            <a:r>
+              <a:rPr lang="en-US" b="0" i="0" u="none" strike="noStrike" baseline="0" dirty="0" err="1">
+                <a:latin typeface="NnstjdTimes-Roman"/>
+              </a:rPr>
+              <a:t>Janghel</a:t>
+            </a:r>
+            <a:r>
+              <a:rPr lang="en-US" b="0" i="0" u="none" strike="noStrike" baseline="0" dirty="0">
+                <a:latin typeface="NnstjdTimes-Roman"/>
+              </a:rPr>
+              <a:t>, White Blood Classification using Convoluted Neural Networks, Springer 2019</a:t>
+            </a:r>
+            <a:endParaRPr lang="en-IN" dirty="0"/>
+          </a:p>
+          <a:p>
+            <a:pPr lvl="1"/>
+            <a:r>
+              <a:rPr lang="en-US" b="0" i="0" u="none" strike="noStrike" baseline="0" dirty="0">
+                <a:latin typeface="NnstjdTimes-Roman"/>
+              </a:rPr>
+              <a:t>S. </a:t>
+            </a:r>
+            <a:r>
+              <a:rPr lang="en-US" b="0" i="0" u="none" strike="noStrike" baseline="0" dirty="0" err="1">
+                <a:latin typeface="NnstjdTimes-Roman"/>
+              </a:rPr>
+              <a:t>Manik</a:t>
+            </a:r>
+            <a:r>
+              <a:rPr lang="en-US" b="0" i="0" u="none" strike="noStrike" baseline="0" dirty="0">
+                <a:latin typeface="NnstjdTimes-Roman"/>
+              </a:rPr>
+              <a:t>, L.M. Saini, </a:t>
+            </a:r>
+            <a:r>
+              <a:rPr lang="en-US" b="0" i="0" u="none" strike="noStrike" baseline="0" dirty="0" err="1">
+                <a:latin typeface="NnstjdTimes-Roman"/>
+              </a:rPr>
+              <a:t>N.Vadera</a:t>
+            </a:r>
+            <a:r>
+              <a:rPr lang="en-US" b="0" i="0" u="none" strike="noStrike" baseline="0" dirty="0">
+                <a:latin typeface="NnstjdTimes-Roman"/>
+              </a:rPr>
+              <a:t>, Counting and classification of white blood cell using Artificial Neural Network (ANN), in </a:t>
+            </a:r>
+            <a:r>
+              <a:rPr lang="en-US" b="0" i="1" u="none" strike="noStrike" baseline="0" dirty="0">
+                <a:latin typeface="HxtjthTimes-Italic"/>
+              </a:rPr>
+              <a:t>IEEE International Conference on Power Electronics, Intelligent Control and Energy Systems (ICPEICES)</a:t>
+            </a:r>
+            <a:r>
+              <a:rPr lang="en-US" b="0" i="0" u="none" strike="noStrike" baseline="0" dirty="0">
+                <a:latin typeface="NnstjdTimes-Roman"/>
+              </a:rPr>
+              <a:t>, IEEE (2016)</a:t>
+            </a:r>
+          </a:p>
+        </p:txBody>
+      </p:sp>
+    </p:spTree>
+    <p:extLst>
+      <p:ext uri="{BB962C8B-B14F-4D97-AF65-F5344CB8AC3E}">
+        <p14:creationId xmlns:p14="http://schemas.microsoft.com/office/powerpoint/2010/main" val="1816134965"/>
+      </p:ext>
+    </p:extLst>
+  </p:cSld>
+  <p:clrMapOvr>
+    <a:masterClrMapping/>
+  </p:clrMapOvr>
+</p:sld>
+</file>
+
 <file path=ppt/slides/slide2.xml><?xml version="1.0" encoding="utf-8"?>
 <p:sld xmlns:a="http://schemas.openxmlformats.org/drawingml/2006/main" xmlns:r="http://schemas.openxmlformats.org/officeDocument/2006/relationships" xmlns:p="http://schemas.openxmlformats.org/presentationml/2006/main">
   <p:cSld>
@@ -7937,7 +8255,7 @@
       </p:sp>
       <p:pic>
         <p:nvPicPr>
-          <p:cNvPr id="4" name="Picture 3">
+          <p:cNvPr id="4" name="Picture 3" descr="A neural Network">
             <a:extLst>
               <a:ext uri="{FF2B5EF4-FFF2-40B4-BE49-F238E27FC236}">
                 <a16:creationId xmlns:a16="http://schemas.microsoft.com/office/drawing/2014/main" id="{16F8DE2E-E3F4-42AC-AF6E-C5092C2C394A}"/>
@@ -7964,7 +8282,7 @@
         </p:blipFill>
         <p:spPr bwMode="auto">
           <a:xfrm>
-            <a:off x="3694112" y="3089429"/>
+            <a:off x="3554152" y="2778710"/>
             <a:ext cx="6705600" cy="3340100"/>
           </a:xfrm>
           <a:prstGeom prst="rect">
@@ -11090,7 +11408,7 @@
         </p:nvSpPr>
         <p:spPr>
           <a:xfrm>
-            <a:off x="1640156" y="313392"/>
+            <a:off x="2582547" y="625151"/>
             <a:ext cx="8911687" cy="1280890"/>
           </a:xfrm>
         </p:spPr>
@@ -11124,13 +11442,13 @@
         </p:nvSpPr>
         <p:spPr>
           <a:xfrm>
-            <a:off x="1640156" y="1382157"/>
-            <a:ext cx="8915400" cy="5011531"/>
+            <a:off x="2647862" y="2249904"/>
+            <a:ext cx="8915400" cy="3982945"/>
           </a:xfrm>
         </p:spPr>
         <p:txBody>
           <a:bodyPr>
-            <a:normAutofit fontScale="92500" lnSpcReduction="10000"/>
+            <a:normAutofit/>
           </a:bodyPr>
           <a:lstStyle/>
           <a:p>
@@ -11180,75 +11498,6 @@
             <a:r>
               <a:rPr lang="en-IN" dirty="0"/>
               <a:t>Best result at 20 Epochs and 0.001 Learning Rate (0.8793 accuracy)</a:t>
-            </a:r>
-          </a:p>
-          <a:p>
-            <a:pPr algn="l"/>
-            <a:r>
-              <a:rPr lang="en-IN" dirty="0"/>
-              <a:t>Paper 2: </a:t>
-            </a:r>
-            <a:r>
-              <a:rPr lang="en-US" sz="1800" b="0" i="0" u="none" strike="noStrike" baseline="0" dirty="0">
-                <a:latin typeface="Fd5691-Identity-H"/>
-              </a:rPr>
-              <a:t>Counting and Classification of White Blood Cell using ANN</a:t>
-            </a:r>
-          </a:p>
-          <a:p>
-            <a:pPr lvl="1"/>
-            <a:r>
-              <a:rPr lang="en-IN" dirty="0"/>
-              <a:t>They have the image of a slide which contains multiple WBCs</a:t>
-            </a:r>
-          </a:p>
-          <a:p>
-            <a:pPr lvl="1"/>
-            <a:r>
-              <a:rPr lang="en-IN" dirty="0"/>
-              <a:t>Use Image Segmentation Techniques</a:t>
-            </a:r>
-          </a:p>
-          <a:p>
-            <a:pPr lvl="2"/>
-            <a:r>
-              <a:rPr lang="en-IN" dirty="0"/>
-              <a:t>Cell Segmentation</a:t>
-            </a:r>
-          </a:p>
-          <a:p>
-            <a:pPr lvl="2"/>
-            <a:r>
-              <a:rPr lang="en-IN" dirty="0"/>
-              <a:t>Nucleus Segmentation</a:t>
-            </a:r>
-          </a:p>
-          <a:p>
-            <a:pPr lvl="1"/>
-            <a:r>
-              <a:rPr lang="en-IN" dirty="0"/>
-              <a:t>Morphological features are extracted like, Cell area, nucleus area, area ratio, number of lobules in nucleus, etc.</a:t>
-            </a:r>
-          </a:p>
-          <a:p>
-            <a:pPr lvl="1"/>
-            <a:r>
-              <a:rPr lang="en-IN" dirty="0"/>
-              <a:t>Use NN to perform multiclass Classification</a:t>
-            </a:r>
-          </a:p>
-          <a:p>
-            <a:pPr lvl="1"/>
-            <a:r>
-              <a:rPr lang="en-IN" dirty="0"/>
-              <a:t>However, they only had 90 leukocyte (WBC) samples which is very small data</a:t>
-            </a:r>
-          </a:p>
-          <a:p>
-            <a:pPr lvl="1"/>
-            <a:r>
-              <a:rPr lang="en-IN" dirty="0"/>
-              <a:t>The accuracy was 98.9%(overall).</a:t>
             </a:r>
           </a:p>
         </p:txBody>
@@ -11288,7 +11537,7 @@
           <p:cNvPr id="2" name="Title 1">
             <a:extLst>
               <a:ext uri="{FF2B5EF4-FFF2-40B4-BE49-F238E27FC236}">
-                <a16:creationId xmlns:a16="http://schemas.microsoft.com/office/drawing/2014/main" id="{D405C26D-211B-4BA0-941A-F4F17C595012}"/>
+                <a16:creationId xmlns:a16="http://schemas.microsoft.com/office/drawing/2014/main" id="{06883746-5A03-49DA-8312-47B1E63543C0}"/>
               </a:ext>
             </a:extLst>
           </p:cNvPr>
@@ -11299,7 +11548,12 @@
             <p:ph type="title"/>
           </p:nvPr>
         </p:nvSpPr>
-        <p:spPr/>
+        <p:spPr>
+          <a:xfrm>
+            <a:off x="2589212" y="166910"/>
+            <a:ext cx="8911687" cy="1280890"/>
+          </a:xfrm>
+        </p:spPr>
         <p:txBody>
           <a:bodyPr/>
           <a:lstStyle/>
@@ -11307,7 +11561,7 @@
             <a:pPr algn="ctr"/>
             <a:r>
               <a:rPr lang="en-IN" dirty="0"/>
-              <a:t>Experiments and Results so far</a:t>
+              <a:t>-:Analysis of Papers:-</a:t>
             </a:r>
           </a:p>
         </p:txBody>
@@ -11317,7 +11571,7 @@
           <p:cNvPr id="3" name="Content Placeholder 2">
             <a:extLst>
               <a:ext uri="{FF2B5EF4-FFF2-40B4-BE49-F238E27FC236}">
-                <a16:creationId xmlns:a16="http://schemas.microsoft.com/office/drawing/2014/main" id="{281385B6-58CC-487F-99F3-2F4C682888E6}"/>
+                <a16:creationId xmlns:a16="http://schemas.microsoft.com/office/drawing/2014/main" id="{0F074714-47F1-40AB-8B0F-0DCB980EEBE8}"/>
               </a:ext>
             </a:extLst>
           </p:cNvPr>
@@ -11328,10 +11582,84 @@
             <p:ph idx="1"/>
           </p:nvPr>
         </p:nvSpPr>
-        <p:spPr/>
+        <p:spPr>
+          <a:xfrm>
+            <a:off x="2589212" y="1303175"/>
+            <a:ext cx="8915400" cy="4100290"/>
+          </a:xfrm>
+        </p:spPr>
         <p:txBody>
           <a:bodyPr/>
           <a:lstStyle/>
+          <a:p>
+            <a:pPr algn="l"/>
+            <a:r>
+              <a:rPr lang="en-IN" dirty="0"/>
+              <a:t>Paper 2: </a:t>
+            </a:r>
+            <a:r>
+              <a:rPr lang="en-US" sz="1800" b="0" i="0" u="none" strike="noStrike" baseline="0" dirty="0">
+                <a:latin typeface="Fd5691-Identity-H"/>
+              </a:rPr>
+              <a:t>Counting and Classification of White Blood Cell using ANN</a:t>
+            </a:r>
+          </a:p>
+          <a:p>
+            <a:pPr lvl="1"/>
+            <a:r>
+              <a:rPr lang="en-IN" dirty="0"/>
+              <a:t>They have the image of a slide which contains multiple WBCs</a:t>
+            </a:r>
+          </a:p>
+          <a:p>
+            <a:pPr lvl="1"/>
+            <a:r>
+              <a:rPr lang="en-IN" dirty="0"/>
+              <a:t>Use Image Segmentation Techniques</a:t>
+            </a:r>
+          </a:p>
+          <a:p>
+            <a:pPr lvl="2"/>
+            <a:r>
+              <a:rPr lang="en-IN" dirty="0"/>
+              <a:t>Cell Segmentation</a:t>
+            </a:r>
+          </a:p>
+          <a:p>
+            <a:pPr lvl="2"/>
+            <a:r>
+              <a:rPr lang="en-IN" dirty="0"/>
+              <a:t>Nucleus Segmentation</a:t>
+            </a:r>
+          </a:p>
+          <a:p>
+            <a:pPr lvl="1"/>
+            <a:r>
+              <a:rPr lang="en-IN" dirty="0"/>
+              <a:t>Morphological features are extracted like, Cell area, nucleus area, area ratio, number of lobules in nucleus, etc.</a:t>
+            </a:r>
+          </a:p>
+          <a:p>
+            <a:pPr lvl="1"/>
+            <a:r>
+              <a:rPr lang="en-IN" dirty="0"/>
+              <a:t>Use NN to perform multiclass Classification</a:t>
+            </a:r>
+          </a:p>
+          <a:p>
+            <a:pPr lvl="1"/>
+            <a:r>
+              <a:rPr lang="en-IN" dirty="0"/>
+              <a:t>However, they only had 90 leukocyte (WBC) samples which is very small data</a:t>
+            </a:r>
+          </a:p>
+          <a:p>
+            <a:pPr lvl="1"/>
+            <a:r>
+              <a:rPr lang="en-IN" dirty="0"/>
+              <a:t>The accuracy was 98.9%(overall).</a:t>
+            </a:r>
+          </a:p>
           <a:p>
             <a:endParaRPr lang="en-IN" dirty="0"/>
           </a:p>
@@ -11340,7 +11668,7 @@
     </p:spTree>
     <p:extLst>
       <p:ext uri="{BB962C8B-B14F-4D97-AF65-F5344CB8AC3E}">
-        <p14:creationId xmlns:p14="http://schemas.microsoft.com/office/powerpoint/2010/main" val="4030544403"/>
+        <p14:creationId xmlns:p14="http://schemas.microsoft.com/office/powerpoint/2010/main" val="3757462191"/>
       </p:ext>
     </p:extLst>
   </p:cSld>
@@ -11372,7 +11700,7 @@
           <p:cNvPr id="2" name="Title 1">
             <a:extLst>
               <a:ext uri="{FF2B5EF4-FFF2-40B4-BE49-F238E27FC236}">
-                <a16:creationId xmlns:a16="http://schemas.microsoft.com/office/drawing/2014/main" id="{6BD633A6-C4D8-4318-87F4-7FDEF4A96713}"/>
+                <a16:creationId xmlns:a16="http://schemas.microsoft.com/office/drawing/2014/main" id="{D405C26D-211B-4BA0-941A-F4F17C595012}"/>
               </a:ext>
             </a:extLst>
           </p:cNvPr>
@@ -11391,7 +11719,7 @@
             <a:pPr algn="ctr"/>
             <a:r>
               <a:rPr lang="en-IN" dirty="0"/>
-              <a:t>References</a:t>
+              <a:t>Experiments and Results so far</a:t>
             </a:r>
           </a:p>
         </p:txBody>
@@ -11401,7 +11729,7 @@
           <p:cNvPr id="3" name="Content Placeholder 2">
             <a:extLst>
               <a:ext uri="{FF2B5EF4-FFF2-40B4-BE49-F238E27FC236}">
-                <a16:creationId xmlns:a16="http://schemas.microsoft.com/office/drawing/2014/main" id="{FE9805DA-1609-4952-ABE9-A6F2B5B36E3E}"/>
+                <a16:creationId xmlns:a16="http://schemas.microsoft.com/office/drawing/2014/main" id="{281385B6-58CC-487F-99F3-2F4C682888E6}"/>
               </a:ext>
             </a:extLst>
           </p:cNvPr>
@@ -11417,128 +11745,14 @@
           <a:bodyPr/>
           <a:lstStyle/>
           <a:p>
-            <a:r>
-              <a:rPr lang="en-IN" dirty="0"/>
-              <a:t>Information on NN:-</a:t>
-            </a:r>
-          </a:p>
-          <a:p>
-            <a:pPr lvl="1"/>
-            <a:r>
-              <a:rPr lang="en-IN" dirty="0"/>
-              <a:t>Basic NN:- Course on </a:t>
-            </a:r>
-            <a:r>
-              <a:rPr lang="en-IN" dirty="0" err="1"/>
-              <a:t>coursera</a:t>
-            </a:r>
-            <a:r>
-              <a:rPr lang="en-IN" dirty="0"/>
-              <a:t> by Andrew Ng</a:t>
-            </a:r>
-          </a:p>
-          <a:p>
-            <a:pPr lvl="1"/>
-            <a:r>
-              <a:rPr lang="en-IN" dirty="0"/>
-              <a:t>CNN:- Ming Li (MIT, waterloo) lectures on Deep Learning and google</a:t>
-            </a:r>
-          </a:p>
-          <a:p>
-            <a:pPr lvl="1"/>
             <a:endParaRPr lang="en-IN" dirty="0"/>
-          </a:p>
-          <a:p>
-            <a:r>
-              <a:rPr lang="en-IN" dirty="0"/>
-              <a:t>Research Papers:-</a:t>
-            </a:r>
-          </a:p>
-          <a:p>
-            <a:pPr lvl="1"/>
-            <a:r>
-              <a:rPr lang="en-US" b="0" i="0" u="none" strike="noStrike" baseline="0" dirty="0">
-                <a:latin typeface="NnstjdTimes-Roman"/>
-              </a:rPr>
-              <a:t>M. Sharma, A. </a:t>
-            </a:r>
-            <a:r>
-              <a:rPr lang="en-US" b="0" i="0" u="none" strike="noStrike" baseline="0" dirty="0" err="1">
-                <a:latin typeface="NnstjdTimes-Roman"/>
-              </a:rPr>
-              <a:t>Bhave</a:t>
-            </a:r>
-            <a:r>
-              <a:rPr lang="en-US" b="0" i="0" u="none" strike="noStrike" baseline="0" dirty="0">
-                <a:latin typeface="NnstjdTimes-Roman"/>
-              </a:rPr>
-              <a:t>, R.R. </a:t>
-            </a:r>
-            <a:r>
-              <a:rPr lang="en-US" b="0" i="0" u="none" strike="noStrike" baseline="0" dirty="0" err="1">
-                <a:latin typeface="NnstjdTimes-Roman"/>
-              </a:rPr>
-              <a:t>Janghel</a:t>
-            </a:r>
-            <a:r>
-              <a:rPr lang="en-US" b="0" i="0" u="none" strike="noStrike" baseline="0" dirty="0">
-                <a:latin typeface="NnstjdTimes-Roman"/>
-              </a:rPr>
-              <a:t>, White Blood Classification using Convoluted Neural Networks, Springer 2019</a:t>
-            </a:r>
-            <a:endParaRPr lang="en-IN" dirty="0"/>
-          </a:p>
-          <a:p>
-            <a:pPr lvl="1"/>
-            <a:r>
-              <a:rPr lang="en-US" b="0" i="0" u="none" strike="noStrike" baseline="0" dirty="0">
-                <a:latin typeface="NnstjdTimes-Roman"/>
-              </a:rPr>
-              <a:t>S. </a:t>
-            </a:r>
-            <a:r>
-              <a:rPr lang="en-US" b="0" i="0" u="none" strike="noStrike" baseline="0" dirty="0" err="1">
-                <a:latin typeface="NnstjdTimes-Roman"/>
-              </a:rPr>
-              <a:t>Manik</a:t>
-            </a:r>
-            <a:r>
-              <a:rPr lang="en-US" b="0" i="0" u="none" strike="noStrike" baseline="0" dirty="0">
-                <a:latin typeface="NnstjdTimes-Roman"/>
-              </a:rPr>
-              <a:t>, L.M. Saini, </a:t>
-            </a:r>
-            <a:r>
-              <a:rPr lang="en-US" b="0" i="0" u="none" strike="noStrike" baseline="0" dirty="0" err="1">
-                <a:latin typeface="NnstjdTimes-Roman"/>
-              </a:rPr>
-              <a:t>N.Vadera</a:t>
-            </a:r>
-            <a:r>
-              <a:rPr lang="en-US" b="0" i="0" u="none" strike="noStrike" baseline="0" dirty="0">
-                <a:latin typeface="NnstjdTimes-Roman"/>
-              </a:rPr>
-              <a:t>, Counting and classification of white blood cell using Artificial Neural Network (ANN), in </a:t>
-            </a:r>
-            <a:r>
-              <a:rPr lang="en-US" b="0" i="1" u="none" strike="noStrike" baseline="0" dirty="0">
-                <a:latin typeface="HxtjthTimes-Italic"/>
-              </a:rPr>
-              <a:t>IEEE International Conference on Power Electronics, Intelligent Control and Energy Systems (ICPEICES)</a:t>
-            </a:r>
-            <a:r>
-              <a:rPr lang="en-US" b="0" i="0" u="none" strike="noStrike" baseline="0" dirty="0">
-                <a:latin typeface="NnstjdTimes-Roman"/>
-              </a:rPr>
-              <a:t>, IEEE (2016)</a:t>
-            </a:r>
           </a:p>
         </p:txBody>
       </p:sp>
     </p:spTree>
     <p:extLst>
       <p:ext uri="{BB962C8B-B14F-4D97-AF65-F5344CB8AC3E}">
-        <p14:creationId xmlns:p14="http://schemas.microsoft.com/office/powerpoint/2010/main" val="1816134965"/>
+        <p14:creationId xmlns:p14="http://schemas.microsoft.com/office/powerpoint/2010/main" val="4030544403"/>
       </p:ext>
     </p:extLst>
   </p:cSld>

--- a/Presentation/Project Midway.pptx
+++ b/Presentation/Project Midway.pptx
@@ -7913,13 +7913,13 @@
           <a:p>
             <a:r>
               <a:rPr lang="en-IN" dirty="0"/>
-              <a:t>Data Augmentation</a:t>
+              <a:t>Data Augmentation.</a:t>
             </a:r>
           </a:p>
           <a:p>
             <a:r>
               <a:rPr lang="en-IN" dirty="0"/>
-              <a:t>Use Image segmentation (Paper 2)</a:t>
+              <a:t>Use Image segmentation (Paper 2).</a:t>
             </a:r>
           </a:p>
           <a:p>
@@ -7939,7 +7939,15 @@
           <a:p>
             <a:r>
               <a:rPr lang="en-IN" dirty="0"/>
-              <a:t>Use grid search to find the best hyperparameters</a:t>
+              <a:t>Use </a:t>
+            </a:r>
+            <a:r>
+              <a:rPr lang="en-IN" dirty="0" err="1"/>
+              <a:t>GridSearchCV</a:t>
+            </a:r>
+            <a:r>
+              <a:rPr lang="en-IN" dirty="0"/>
+              <a:t> from scikit library to find the best hyperparameters.</a:t>
             </a:r>
           </a:p>
         </p:txBody>
@@ -11740,12 +11748,128 @@
             <p:ph idx="1"/>
           </p:nvPr>
         </p:nvSpPr>
-        <p:spPr/>
+        <p:spPr>
+          <a:xfrm>
+            <a:off x="1716756" y="1420535"/>
+            <a:ext cx="9851661" cy="4887986"/>
+          </a:xfrm>
+        </p:spPr>
         <p:txBody>
           <a:bodyPr/>
           <a:lstStyle/>
           <a:p>
+            <a:r>
+              <a:rPr lang="en-IN" dirty="0" err="1"/>
+              <a:t>Mnist</a:t>
+            </a:r>
+            <a:r>
+              <a:rPr lang="en-IN" dirty="0"/>
+              <a:t> database : NN single layered :- 92.80 % testing accuracy</a:t>
+            </a:r>
+          </a:p>
+          <a:p>
+            <a:r>
+              <a:rPr lang="en-IN" dirty="0" err="1"/>
+              <a:t>Mnist</a:t>
+            </a:r>
+            <a:r>
+              <a:rPr lang="en-IN" dirty="0"/>
+              <a:t> database : NN multi-layered :- 98.04 %</a:t>
+            </a:r>
+          </a:p>
+          <a:p>
+            <a:r>
+              <a:rPr lang="en-IN" dirty="0"/>
+              <a:t>Cifar10 database : NN </a:t>
+            </a:r>
+            <a:r>
+              <a:rPr lang="en-IN" dirty="0" err="1"/>
+              <a:t>Multilayered</a:t>
+            </a:r>
+            <a:r>
+              <a:rPr lang="en-IN" dirty="0"/>
+              <a:t>, SGD optimiser, 55.33% accuracy</a:t>
+            </a:r>
+          </a:p>
+          <a:p>
+            <a:r>
+              <a:rPr lang="en-IN" dirty="0"/>
+              <a:t>Cifar10 Database : NN </a:t>
+            </a:r>
+            <a:r>
+              <a:rPr lang="en-IN" dirty="0" err="1"/>
+              <a:t>Multilayered</a:t>
+            </a:r>
+            <a:r>
+              <a:rPr lang="en-IN" dirty="0"/>
+              <a:t>, Adam optimiser, 48 % accuracy</a:t>
+            </a:r>
+          </a:p>
+          <a:p>
+            <a:r>
+              <a:rPr lang="en-IN" dirty="0"/>
+              <a:t>Cifar10 Database : NN </a:t>
+            </a:r>
+            <a:r>
+              <a:rPr lang="en-IN" dirty="0" err="1"/>
+              <a:t>Multilayered</a:t>
+            </a:r>
+            <a:r>
+              <a:rPr lang="en-IN" dirty="0"/>
+              <a:t>, SGD optimiser, + one hot encoding, 56% accuracy</a:t>
+            </a:r>
+          </a:p>
+          <a:p>
             <a:endParaRPr lang="en-IN" dirty="0"/>
+          </a:p>
+          <a:p>
+            <a:endParaRPr lang="en-IN" dirty="0"/>
+          </a:p>
+          <a:p>
+            <a:r>
+              <a:rPr lang="en-IN" dirty="0"/>
+              <a:t>Cifar10 Database : CNN multi-layered (2 Conv2D layers) + </a:t>
+            </a:r>
+            <a:r>
+              <a:rPr lang="en-IN" dirty="0" err="1"/>
+              <a:t>adam</a:t>
+            </a:r>
+            <a:r>
+              <a:rPr lang="en-IN" dirty="0"/>
+              <a:t> + </a:t>
+            </a:r>
+            <a:r>
+              <a:rPr lang="en-IN" dirty="0" err="1"/>
+              <a:t>softmax</a:t>
+            </a:r>
+            <a:r>
+              <a:rPr lang="en-IN" dirty="0"/>
+              <a:t>, training accuracy = 93% , testing accuracy = 68%</a:t>
+            </a:r>
+          </a:p>
+          <a:p>
+            <a:r>
+              <a:rPr lang="en-IN" dirty="0"/>
+              <a:t>(Our database) WBC database : CNN multi-layered (same model as above), </a:t>
+            </a:r>
+            <a:r>
+              <a:rPr lang="en-IN" dirty="0">
+                <a:solidFill>
+                  <a:srgbClr val="FF0000"/>
+                </a:solidFill>
+              </a:rPr>
+              <a:t>training accuracy = 100% Testing accuracy = 48%. Overfitting :( </a:t>
+            </a:r>
+          </a:p>
+          <a:p>
+            <a:pPr marL="0" indent="0">
+              <a:buNone/>
+            </a:pPr>
+            <a:endParaRPr lang="en-IN" dirty="0">
+              <a:solidFill>
+                <a:srgbClr val="FF0000"/>
+              </a:solidFill>
+            </a:endParaRPr>
           </a:p>
         </p:txBody>
       </p:sp>

--- a/Presentation/Project Midway.pptx
+++ b/Presentation/Project Midway.pptx
@@ -310,7 +310,7 @@
           <a:p>
             <a:fld id="{C945DEE4-5232-4DB1-8F51-4D6A83D24E79}" type="datetimeFigureOut">
               <a:rPr lang="en-IN" smtClean="0"/>
-              <a:t>17-10-2021</a:t>
+              <a:t>27-10-2021</a:t>
             </a:fld>
             <a:endParaRPr lang="en-IN"/>
           </a:p>
@@ -648,7 +648,7 @@
           <a:p>
             <a:fld id="{C945DEE4-5232-4DB1-8F51-4D6A83D24E79}" type="datetimeFigureOut">
               <a:rPr lang="en-IN" smtClean="0"/>
-              <a:t>17-10-2021</a:t>
+              <a:t>27-10-2021</a:t>
             </a:fld>
             <a:endParaRPr lang="en-IN"/>
           </a:p>
@@ -1049,7 +1049,7 @@
           <a:p>
             <a:fld id="{C945DEE4-5232-4DB1-8F51-4D6A83D24E79}" type="datetimeFigureOut">
               <a:rPr lang="en-IN" smtClean="0"/>
-              <a:t>17-10-2021</a:t>
+              <a:t>27-10-2021</a:t>
             </a:fld>
             <a:endParaRPr lang="en-IN"/>
           </a:p>
@@ -1385,7 +1385,7 @@
           <a:p>
             <a:fld id="{C945DEE4-5232-4DB1-8F51-4D6A83D24E79}" type="datetimeFigureOut">
               <a:rPr lang="en-IN" smtClean="0"/>
-              <a:t>17-10-2021</a:t>
+              <a:t>27-10-2021</a:t>
             </a:fld>
             <a:endParaRPr lang="en-IN"/>
           </a:p>
@@ -1705,7 +1705,7 @@
           <a:p>
             <a:fld id="{C945DEE4-5232-4DB1-8F51-4D6A83D24E79}" type="datetimeFigureOut">
               <a:rPr lang="en-IN" smtClean="0"/>
-              <a:t>17-10-2021</a:t>
+              <a:t>27-10-2021</a:t>
             </a:fld>
             <a:endParaRPr lang="en-IN"/>
           </a:p>
@@ -2101,7 +2101,7 @@
           <a:p>
             <a:fld id="{C945DEE4-5232-4DB1-8F51-4D6A83D24E79}" type="datetimeFigureOut">
               <a:rPr lang="en-IN" smtClean="0"/>
-              <a:t>17-10-2021</a:t>
+              <a:t>27-10-2021</a:t>
             </a:fld>
             <a:endParaRPr lang="en-IN"/>
           </a:p>
@@ -2358,7 +2358,7 @@
           <a:p>
             <a:fld id="{C945DEE4-5232-4DB1-8F51-4D6A83D24E79}" type="datetimeFigureOut">
               <a:rPr lang="en-IN" smtClean="0"/>
-              <a:t>17-10-2021</a:t>
+              <a:t>27-10-2021</a:t>
             </a:fld>
             <a:endParaRPr lang="en-IN"/>
           </a:p>
@@ -2620,7 +2620,7 @@
           <a:p>
             <a:fld id="{C945DEE4-5232-4DB1-8F51-4D6A83D24E79}" type="datetimeFigureOut">
               <a:rPr lang="en-IN" smtClean="0"/>
-              <a:t>17-10-2021</a:t>
+              <a:t>27-10-2021</a:t>
             </a:fld>
             <a:endParaRPr lang="en-IN"/>
           </a:p>
@@ -2882,7 +2882,7 @@
           <a:p>
             <a:fld id="{C945DEE4-5232-4DB1-8F51-4D6A83D24E79}" type="datetimeFigureOut">
               <a:rPr lang="en-IN" smtClean="0"/>
-              <a:t>17-10-2021</a:t>
+              <a:t>27-10-2021</a:t>
             </a:fld>
             <a:endParaRPr lang="en-IN"/>
           </a:p>
@@ -3211,7 +3211,7 @@
           <a:p>
             <a:fld id="{C945DEE4-5232-4DB1-8F51-4D6A83D24E79}" type="datetimeFigureOut">
               <a:rPr lang="en-IN" smtClean="0"/>
-              <a:t>17-10-2021</a:t>
+              <a:t>27-10-2021</a:t>
             </a:fld>
             <a:endParaRPr lang="en-IN"/>
           </a:p>
@@ -3534,7 +3534,7 @@
           <a:p>
             <a:fld id="{C945DEE4-5232-4DB1-8F51-4D6A83D24E79}" type="datetimeFigureOut">
               <a:rPr lang="en-IN" smtClean="0"/>
-              <a:t>17-10-2021</a:t>
+              <a:t>27-10-2021</a:t>
             </a:fld>
             <a:endParaRPr lang="en-IN"/>
           </a:p>
@@ -3991,7 +3991,7 @@
           <a:p>
             <a:fld id="{C945DEE4-5232-4DB1-8F51-4D6A83D24E79}" type="datetimeFigureOut">
               <a:rPr lang="en-IN" smtClean="0"/>
-              <a:t>17-10-2021</a:t>
+              <a:t>27-10-2021</a:t>
             </a:fld>
             <a:endParaRPr lang="en-IN"/>
           </a:p>
@@ -4196,7 +4196,7 @@
           <a:p>
             <a:fld id="{C945DEE4-5232-4DB1-8F51-4D6A83D24E79}" type="datetimeFigureOut">
               <a:rPr lang="en-IN" smtClean="0"/>
-              <a:t>17-10-2021</a:t>
+              <a:t>27-10-2021</a:t>
             </a:fld>
             <a:endParaRPr lang="en-IN"/>
           </a:p>
@@ -4373,7 +4373,7 @@
           <a:p>
             <a:fld id="{C945DEE4-5232-4DB1-8F51-4D6A83D24E79}" type="datetimeFigureOut">
               <a:rPr lang="en-IN" smtClean="0"/>
-              <a:t>17-10-2021</a:t>
+              <a:t>27-10-2021</a:t>
             </a:fld>
             <a:endParaRPr lang="en-IN"/>
           </a:p>
@@ -4706,7 +4706,7 @@
           <a:p>
             <a:fld id="{C945DEE4-5232-4DB1-8F51-4D6A83D24E79}" type="datetimeFigureOut">
               <a:rPr lang="en-IN" smtClean="0"/>
-              <a:t>17-10-2021</a:t>
+              <a:t>27-10-2021</a:t>
             </a:fld>
             <a:endParaRPr lang="en-IN"/>
           </a:p>
@@ -5051,7 +5051,7 @@
           <a:p>
             <a:fld id="{C945DEE4-5232-4DB1-8F51-4D6A83D24E79}" type="datetimeFigureOut">
               <a:rPr lang="en-IN" smtClean="0"/>
-              <a:t>17-10-2021</a:t>
+              <a:t>27-10-2021</a:t>
             </a:fld>
             <a:endParaRPr lang="en-IN"/>
           </a:p>
@@ -7168,7 +7168,7 @@
           <a:p>
             <a:fld id="{C945DEE4-5232-4DB1-8F51-4D6A83D24E79}" type="datetimeFigureOut">
               <a:rPr lang="en-IN" smtClean="0"/>
-              <a:t>17-10-2021</a:t>
+              <a:t>27-10-2021</a:t>
             </a:fld>
             <a:endParaRPr lang="en-IN"/>
           </a:p>
@@ -11416,7 +11416,7 @@
         </p:nvSpPr>
         <p:spPr>
           <a:xfrm>
-            <a:off x="2582547" y="625151"/>
+            <a:off x="2582547" y="156637"/>
             <a:ext cx="8911687" cy="1280890"/>
           </a:xfrm>
         </p:spPr>
@@ -11450,7 +11450,7 @@
         </p:nvSpPr>
         <p:spPr>
           <a:xfrm>
-            <a:off x="2647862" y="2249904"/>
+            <a:off x="2578834" y="1046910"/>
             <a:ext cx="8915400" cy="3982945"/>
           </a:xfrm>
         </p:spPr>
